--- a/Documentation/diagrams.pptx
+++ b/Documentation/diagrams.pptx
@@ -197,7 +197,7 @@
           <a:p>
             <a:fld id="{89BE2BE4-27D5-4BCE-BD88-1958690082D4}" type="datetimeFigureOut">
               <a:rPr lang="en-GB" smtClean="0"/>
-              <a:t>22/03/2018</a:t>
+              <a:t>28/03/2018</a:t>
             </a:fld>
             <a:endParaRPr lang="en-GB"/>
           </a:p>
@@ -614,7 +614,7 @@
           <a:p>
             <a:fld id="{7BC8567C-CC54-47B6-A913-A1B26A758FD0}" type="datetimeFigureOut">
               <a:rPr lang="en-GB" smtClean="0"/>
-              <a:t>22/03/2018</a:t>
+              <a:t>28/03/2018</a:t>
             </a:fld>
             <a:endParaRPr lang="en-GB"/>
           </a:p>
@@ -814,7 +814,7 @@
           <a:p>
             <a:fld id="{7BC8567C-CC54-47B6-A913-A1B26A758FD0}" type="datetimeFigureOut">
               <a:rPr lang="en-GB" smtClean="0"/>
-              <a:t>22/03/2018</a:t>
+              <a:t>28/03/2018</a:t>
             </a:fld>
             <a:endParaRPr lang="en-GB"/>
           </a:p>
@@ -1024,7 +1024,7 @@
           <a:p>
             <a:fld id="{7BC8567C-CC54-47B6-A913-A1B26A758FD0}" type="datetimeFigureOut">
               <a:rPr lang="en-GB" smtClean="0"/>
-              <a:t>22/03/2018</a:t>
+              <a:t>28/03/2018</a:t>
             </a:fld>
             <a:endParaRPr lang="en-GB"/>
           </a:p>
@@ -1224,7 +1224,7 @@
           <a:p>
             <a:fld id="{7BC8567C-CC54-47B6-A913-A1B26A758FD0}" type="datetimeFigureOut">
               <a:rPr lang="en-GB" smtClean="0"/>
-              <a:t>22/03/2018</a:t>
+              <a:t>28/03/2018</a:t>
             </a:fld>
             <a:endParaRPr lang="en-GB"/>
           </a:p>
@@ -1500,7 +1500,7 @@
           <a:p>
             <a:fld id="{7BC8567C-CC54-47B6-A913-A1B26A758FD0}" type="datetimeFigureOut">
               <a:rPr lang="en-GB" smtClean="0"/>
-              <a:t>22/03/2018</a:t>
+              <a:t>28/03/2018</a:t>
             </a:fld>
             <a:endParaRPr lang="en-GB"/>
           </a:p>
@@ -1768,7 +1768,7 @@
           <a:p>
             <a:fld id="{7BC8567C-CC54-47B6-A913-A1B26A758FD0}" type="datetimeFigureOut">
               <a:rPr lang="en-GB" smtClean="0"/>
-              <a:t>22/03/2018</a:t>
+              <a:t>28/03/2018</a:t>
             </a:fld>
             <a:endParaRPr lang="en-GB"/>
           </a:p>
@@ -2183,7 +2183,7 @@
           <a:p>
             <a:fld id="{7BC8567C-CC54-47B6-A913-A1B26A758FD0}" type="datetimeFigureOut">
               <a:rPr lang="en-GB" smtClean="0"/>
-              <a:t>22/03/2018</a:t>
+              <a:t>28/03/2018</a:t>
             </a:fld>
             <a:endParaRPr lang="en-GB"/>
           </a:p>
@@ -2325,7 +2325,7 @@
           <a:p>
             <a:fld id="{7BC8567C-CC54-47B6-A913-A1B26A758FD0}" type="datetimeFigureOut">
               <a:rPr lang="en-GB" smtClean="0"/>
-              <a:t>22/03/2018</a:t>
+              <a:t>28/03/2018</a:t>
             </a:fld>
             <a:endParaRPr lang="en-GB"/>
           </a:p>
@@ -2438,7 +2438,7 @@
           <a:p>
             <a:fld id="{7BC8567C-CC54-47B6-A913-A1B26A758FD0}" type="datetimeFigureOut">
               <a:rPr lang="en-GB" smtClean="0"/>
-              <a:t>22/03/2018</a:t>
+              <a:t>28/03/2018</a:t>
             </a:fld>
             <a:endParaRPr lang="en-GB"/>
           </a:p>
@@ -2751,7 +2751,7 @@
           <a:p>
             <a:fld id="{7BC8567C-CC54-47B6-A913-A1B26A758FD0}" type="datetimeFigureOut">
               <a:rPr lang="en-GB" smtClean="0"/>
-              <a:t>22/03/2018</a:t>
+              <a:t>28/03/2018</a:t>
             </a:fld>
             <a:endParaRPr lang="en-GB"/>
           </a:p>
@@ -3040,7 +3040,7 @@
           <a:p>
             <a:fld id="{7BC8567C-CC54-47B6-A913-A1B26A758FD0}" type="datetimeFigureOut">
               <a:rPr lang="en-GB" smtClean="0"/>
-              <a:t>22/03/2018</a:t>
+              <a:t>28/03/2018</a:t>
             </a:fld>
             <a:endParaRPr lang="en-GB"/>
           </a:p>
@@ -3283,7 +3283,7 @@
           <a:p>
             <a:fld id="{7BC8567C-CC54-47B6-A913-A1B26A758FD0}" type="datetimeFigureOut">
               <a:rPr lang="en-GB" smtClean="0"/>
-              <a:t>22/03/2018</a:t>
+              <a:t>28/03/2018</a:t>
             </a:fld>
             <a:endParaRPr lang="en-GB"/>
           </a:p>
@@ -4047,342 +4047,6 @@
       </p:sp>
       <p:cxnSp>
         <p:nvCxnSpPr>
-          <p:cNvPr id="29" name="Straight Arrow Connector 28">
-            <a:extLst>
-              <a:ext uri="{FF2B5EF4-FFF2-40B4-BE49-F238E27FC236}">
-                <a16:creationId xmlns:a16="http://schemas.microsoft.com/office/drawing/2014/main" id="{2A398E92-7CC8-4C70-89BD-200037FF3F68}"/>
-              </a:ext>
-            </a:extLst>
-          </p:cNvPr>
-          <p:cNvCxnSpPr>
-            <a:cxnSpLocks/>
-            <a:stCxn id="5" idx="2"/>
-            <a:endCxn id="7" idx="1"/>
-          </p:cNvCxnSpPr>
-          <p:nvPr/>
-        </p:nvCxnSpPr>
-        <p:spPr>
-          <a:xfrm>
-            <a:off x="5574368" y="2564667"/>
-            <a:ext cx="1482669" cy="974917"/>
-          </a:xfrm>
-          <a:prstGeom prst="straightConnector1">
-            <a:avLst/>
-          </a:prstGeom>
-          <a:ln w="57150" cap="flat" cmpd="sng" algn="ctr">
-            <a:solidFill>
-              <a:srgbClr val="FF0000"/>
-            </a:solidFill>
-            <a:prstDash val="solid"/>
-            <a:round/>
-            <a:headEnd type="none" w="med" len="med"/>
-            <a:tailEnd type="arrow" w="med" len="med"/>
-          </a:ln>
-        </p:spPr>
-        <p:style>
-          <a:lnRef idx="0">
-            <a:scrgbClr r="0" g="0" b="0"/>
-          </a:lnRef>
-          <a:fillRef idx="0">
-            <a:scrgbClr r="0" g="0" b="0"/>
-          </a:fillRef>
-          <a:effectRef idx="0">
-            <a:scrgbClr r="0" g="0" b="0"/>
-          </a:effectRef>
-          <a:fontRef idx="minor">
-            <a:schemeClr val="tx1"/>
-          </a:fontRef>
-        </p:style>
-      </p:cxnSp>
-      <p:cxnSp>
-        <p:nvCxnSpPr>
-          <p:cNvPr id="32" name="Straight Arrow Connector 31">
-            <a:extLst>
-              <a:ext uri="{FF2B5EF4-FFF2-40B4-BE49-F238E27FC236}">
-                <a16:creationId xmlns:a16="http://schemas.microsoft.com/office/drawing/2014/main" id="{AF81092F-6764-4AB0-90F1-4657DF9B8EFA}"/>
-              </a:ext>
-            </a:extLst>
-          </p:cNvPr>
-          <p:cNvCxnSpPr>
-            <a:cxnSpLocks/>
-            <a:stCxn id="7" idx="2"/>
-            <a:endCxn id="8" idx="0"/>
-          </p:cNvCxnSpPr>
-          <p:nvPr/>
-        </p:nvCxnSpPr>
-        <p:spPr>
-          <a:xfrm>
-            <a:off x="7849125" y="3917682"/>
-            <a:ext cx="0" cy="783468"/>
-          </a:xfrm>
-          <a:prstGeom prst="straightConnector1">
-            <a:avLst/>
-          </a:prstGeom>
-          <a:ln w="57150" cap="flat" cmpd="sng" algn="ctr">
-            <a:solidFill>
-              <a:srgbClr val="FF0000"/>
-            </a:solidFill>
-            <a:prstDash val="solid"/>
-            <a:round/>
-            <a:headEnd type="none" w="med" len="med"/>
-            <a:tailEnd type="arrow" w="med" len="med"/>
-          </a:ln>
-        </p:spPr>
-        <p:style>
-          <a:lnRef idx="0">
-            <a:scrgbClr r="0" g="0" b="0"/>
-          </a:lnRef>
-          <a:fillRef idx="0">
-            <a:scrgbClr r="0" g="0" b="0"/>
-          </a:fillRef>
-          <a:effectRef idx="0">
-            <a:scrgbClr r="0" g="0" b="0"/>
-          </a:effectRef>
-          <a:fontRef idx="minor">
-            <a:schemeClr val="tx1"/>
-          </a:fontRef>
-        </p:style>
-      </p:cxnSp>
-      <p:cxnSp>
-        <p:nvCxnSpPr>
-          <p:cNvPr id="35" name="Straight Arrow Connector 34">
-            <a:extLst>
-              <a:ext uri="{FF2B5EF4-FFF2-40B4-BE49-F238E27FC236}">
-                <a16:creationId xmlns:a16="http://schemas.microsoft.com/office/drawing/2014/main" id="{BDA9A799-97FA-4478-ACD7-89F1B0318188}"/>
-              </a:ext>
-            </a:extLst>
-          </p:cNvPr>
-          <p:cNvCxnSpPr>
-            <a:cxnSpLocks/>
-            <a:stCxn id="5" idx="3"/>
-            <a:endCxn id="6" idx="1"/>
-          </p:cNvCxnSpPr>
-          <p:nvPr/>
-        </p:nvCxnSpPr>
-        <p:spPr>
-          <a:xfrm flipV="1">
-            <a:off x="6366456" y="2186568"/>
-            <a:ext cx="3045097" cy="1"/>
-          </a:xfrm>
-          <a:prstGeom prst="straightConnector1">
-            <a:avLst/>
-          </a:prstGeom>
-          <a:ln w="57150" cap="flat" cmpd="sng" algn="ctr">
-            <a:solidFill>
-              <a:srgbClr val="FF0000"/>
-            </a:solidFill>
-            <a:prstDash val="solid"/>
-            <a:round/>
-            <a:headEnd type="none" w="med" len="med"/>
-            <a:tailEnd type="arrow" w="med" len="med"/>
-          </a:ln>
-        </p:spPr>
-        <p:style>
-          <a:lnRef idx="0">
-            <a:scrgbClr r="0" g="0" b="0"/>
-          </a:lnRef>
-          <a:fillRef idx="0">
-            <a:scrgbClr r="0" g="0" b="0"/>
-          </a:fillRef>
-          <a:effectRef idx="0">
-            <a:scrgbClr r="0" g="0" b="0"/>
-          </a:effectRef>
-          <a:fontRef idx="minor">
-            <a:schemeClr val="tx1"/>
-          </a:fontRef>
-        </p:style>
-      </p:cxnSp>
-      <p:cxnSp>
-        <p:nvCxnSpPr>
-          <p:cNvPr id="39" name="Straight Arrow Connector 38">
-            <a:extLst>
-              <a:ext uri="{FF2B5EF4-FFF2-40B4-BE49-F238E27FC236}">
-                <a16:creationId xmlns:a16="http://schemas.microsoft.com/office/drawing/2014/main" id="{DD120640-FD64-47FA-ACAC-27C079BEEBB5}"/>
-              </a:ext>
-            </a:extLst>
-          </p:cNvPr>
-          <p:cNvCxnSpPr>
-            <a:cxnSpLocks/>
-          </p:cNvCxnSpPr>
-          <p:nvPr/>
-        </p:nvCxnSpPr>
-        <p:spPr>
-          <a:xfrm flipH="1">
-            <a:off x="8641213" y="2564666"/>
-            <a:ext cx="1037360" cy="783468"/>
-          </a:xfrm>
-          <a:prstGeom prst="straightConnector1">
-            <a:avLst/>
-          </a:prstGeom>
-          <a:ln w="57150" cap="flat" cmpd="sng" algn="ctr">
-            <a:solidFill>
-              <a:srgbClr val="FF0000"/>
-            </a:solidFill>
-            <a:prstDash val="solid"/>
-            <a:round/>
-            <a:headEnd type="none" w="med" len="med"/>
-            <a:tailEnd type="arrow" w="med" len="med"/>
-          </a:ln>
-        </p:spPr>
-        <p:style>
-          <a:lnRef idx="0">
-            <a:scrgbClr r="0" g="0" b="0"/>
-          </a:lnRef>
-          <a:fillRef idx="0">
-            <a:scrgbClr r="0" g="0" b="0"/>
-          </a:fillRef>
-          <a:effectRef idx="0">
-            <a:scrgbClr r="0" g="0" b="0"/>
-          </a:effectRef>
-          <a:fontRef idx="minor">
-            <a:schemeClr val="tx1"/>
-          </a:fontRef>
-        </p:style>
-      </p:cxnSp>
-      <p:cxnSp>
-        <p:nvCxnSpPr>
-          <p:cNvPr id="42" name="Straight Arrow Connector 41">
-            <a:extLst>
-              <a:ext uri="{FF2B5EF4-FFF2-40B4-BE49-F238E27FC236}">
-                <a16:creationId xmlns:a16="http://schemas.microsoft.com/office/drawing/2014/main" id="{15869C1D-51EF-425C-8670-B93806769E1D}"/>
-              </a:ext>
-            </a:extLst>
-          </p:cNvPr>
-          <p:cNvCxnSpPr>
-            <a:cxnSpLocks/>
-            <a:endCxn id="6" idx="2"/>
-          </p:cNvCxnSpPr>
-          <p:nvPr/>
-        </p:nvCxnSpPr>
-        <p:spPr>
-          <a:xfrm flipV="1">
-            <a:off x="8641213" y="2564666"/>
-            <a:ext cx="1562428" cy="1161566"/>
-          </a:xfrm>
-          <a:prstGeom prst="straightConnector1">
-            <a:avLst/>
-          </a:prstGeom>
-          <a:ln w="57150" cap="flat" cmpd="sng" algn="ctr">
-            <a:solidFill>
-              <a:srgbClr val="FF0000"/>
-            </a:solidFill>
-            <a:prstDash val="solid"/>
-            <a:round/>
-            <a:headEnd type="none" w="med" len="med"/>
-            <a:tailEnd type="arrow" w="med" len="med"/>
-          </a:ln>
-        </p:spPr>
-        <p:style>
-          <a:lnRef idx="0">
-            <a:scrgbClr r="0" g="0" b="0"/>
-          </a:lnRef>
-          <a:fillRef idx="0">
-            <a:scrgbClr r="0" g="0" b="0"/>
-          </a:fillRef>
-          <a:effectRef idx="0">
-            <a:scrgbClr r="0" g="0" b="0"/>
-          </a:effectRef>
-          <a:fontRef idx="minor">
-            <a:schemeClr val="tx1"/>
-          </a:fontRef>
-        </p:style>
-      </p:cxnSp>
-      <p:cxnSp>
-        <p:nvCxnSpPr>
-          <p:cNvPr id="45" name="Straight Arrow Connector 44">
-            <a:extLst>
-              <a:ext uri="{FF2B5EF4-FFF2-40B4-BE49-F238E27FC236}">
-                <a16:creationId xmlns:a16="http://schemas.microsoft.com/office/drawing/2014/main" id="{1CBAC5E0-40A4-42E6-AB83-070297800010}"/>
-              </a:ext>
-            </a:extLst>
-          </p:cNvPr>
-          <p:cNvCxnSpPr>
-            <a:cxnSpLocks/>
-          </p:cNvCxnSpPr>
-          <p:nvPr/>
-        </p:nvCxnSpPr>
-        <p:spPr>
-          <a:xfrm flipH="1">
-            <a:off x="3558467" y="2028839"/>
-            <a:ext cx="1209745" cy="0"/>
-          </a:xfrm>
-          <a:prstGeom prst="straightConnector1">
-            <a:avLst/>
-          </a:prstGeom>
-          <a:ln w="57150" cap="flat" cmpd="sng" algn="ctr">
-            <a:solidFill>
-              <a:srgbClr val="FF0000"/>
-            </a:solidFill>
-            <a:prstDash val="solid"/>
-            <a:round/>
-            <a:headEnd type="none" w="med" len="med"/>
-            <a:tailEnd type="arrow" w="med" len="med"/>
-          </a:ln>
-        </p:spPr>
-        <p:style>
-          <a:lnRef idx="0">
-            <a:scrgbClr r="0" g="0" b="0"/>
-          </a:lnRef>
-          <a:fillRef idx="0">
-            <a:scrgbClr r="0" g="0" b="0"/>
-          </a:fillRef>
-          <a:effectRef idx="0">
-            <a:scrgbClr r="0" g="0" b="0"/>
-          </a:effectRef>
-          <a:fontRef idx="minor">
-            <a:schemeClr val="tx1"/>
-          </a:fontRef>
-        </p:style>
-      </p:cxnSp>
-      <p:cxnSp>
-        <p:nvCxnSpPr>
-          <p:cNvPr id="48" name="Straight Arrow Connector 47">
-            <a:extLst>
-              <a:ext uri="{FF2B5EF4-FFF2-40B4-BE49-F238E27FC236}">
-                <a16:creationId xmlns:a16="http://schemas.microsoft.com/office/drawing/2014/main" id="{059AA109-B2EC-4955-A520-2A4A0BF5AA9B}"/>
-              </a:ext>
-            </a:extLst>
-          </p:cNvPr>
-          <p:cNvCxnSpPr>
-            <a:cxnSpLocks/>
-          </p:cNvCxnSpPr>
-          <p:nvPr/>
-        </p:nvCxnSpPr>
-        <p:spPr>
-          <a:xfrm>
-            <a:off x="3572535" y="2335235"/>
-            <a:ext cx="1209745" cy="0"/>
-          </a:xfrm>
-          <a:prstGeom prst="straightConnector1">
-            <a:avLst/>
-          </a:prstGeom>
-          <a:ln w="57150" cap="flat" cmpd="sng" algn="ctr">
-            <a:solidFill>
-              <a:srgbClr val="FF0000"/>
-            </a:solidFill>
-            <a:prstDash val="solid"/>
-            <a:round/>
-            <a:headEnd type="none" w="med" len="med"/>
-            <a:tailEnd type="arrow" w="med" len="med"/>
-          </a:ln>
-        </p:spPr>
-        <p:style>
-          <a:lnRef idx="0">
-            <a:scrgbClr r="0" g="0" b="0"/>
-          </a:lnRef>
-          <a:fillRef idx="0">
-            <a:scrgbClr r="0" g="0" b="0"/>
-          </a:fillRef>
-          <a:effectRef idx="0">
-            <a:scrgbClr r="0" g="0" b="0"/>
-          </a:effectRef>
-          <a:fontRef idx="minor">
-            <a:schemeClr val="tx1"/>
-          </a:fontRef>
-        </p:style>
-      </p:cxnSp>
-      <p:cxnSp>
-        <p:nvCxnSpPr>
           <p:cNvPr id="3" name="Straight Connector 2">
             <a:extLst>
               <a:ext uri="{FF2B5EF4-FFF2-40B4-BE49-F238E27FC236}">
@@ -4505,6 +4169,766 @@
               </a:rPr>
               <a:t>Dead</a:t>
             </a:r>
+          </a:p>
+        </p:txBody>
+      </p:sp>
+      <p:cxnSp>
+        <p:nvCxnSpPr>
+          <p:cNvPr id="12" name="Connector: Elbow 11">
+            <a:extLst>
+              <a:ext uri="{FF2B5EF4-FFF2-40B4-BE49-F238E27FC236}">
+                <a16:creationId xmlns:a16="http://schemas.microsoft.com/office/drawing/2014/main" id="{5D93C635-0299-43B6-AE0D-2365E4914DCF}"/>
+              </a:ext>
+            </a:extLst>
+          </p:cNvPr>
+          <p:cNvCxnSpPr>
+            <a:stCxn id="6" idx="3"/>
+            <a:endCxn id="8" idx="3"/>
+          </p:cNvCxnSpPr>
+          <p:nvPr/>
+        </p:nvCxnSpPr>
+        <p:spPr>
+          <a:xfrm flipH="1">
+            <a:off x="8739755" y="2186568"/>
+            <a:ext cx="2255974" cy="2959732"/>
+          </a:xfrm>
+          <a:prstGeom prst="bentConnector3">
+            <a:avLst>
+              <a:gd name="adj1" fmla="val -10133"/>
+            </a:avLst>
+          </a:prstGeom>
+          <a:ln w="57150">
+            <a:solidFill>
+              <a:srgbClr val="FF0000"/>
+            </a:solidFill>
+            <a:tailEnd type="triangle"/>
+          </a:ln>
+        </p:spPr>
+        <p:style>
+          <a:lnRef idx="1">
+            <a:schemeClr val="accent1"/>
+          </a:lnRef>
+          <a:fillRef idx="0">
+            <a:schemeClr val="accent1"/>
+          </a:fillRef>
+          <a:effectRef idx="0">
+            <a:schemeClr val="accent1"/>
+          </a:effectRef>
+          <a:fontRef idx="minor">
+            <a:schemeClr val="tx1"/>
+          </a:fontRef>
+        </p:style>
+      </p:cxnSp>
+      <p:cxnSp>
+        <p:nvCxnSpPr>
+          <p:cNvPr id="22" name="Connector: Elbow 21">
+            <a:extLst>
+              <a:ext uri="{FF2B5EF4-FFF2-40B4-BE49-F238E27FC236}">
+                <a16:creationId xmlns:a16="http://schemas.microsoft.com/office/drawing/2014/main" id="{118492FD-060E-454B-BF8A-702E1FB1671A}"/>
+              </a:ext>
+            </a:extLst>
+          </p:cNvPr>
+          <p:cNvCxnSpPr>
+            <a:cxnSpLocks/>
+            <a:stCxn id="4" idx="2"/>
+            <a:endCxn id="8" idx="1"/>
+          </p:cNvCxnSpPr>
+          <p:nvPr/>
+        </p:nvCxnSpPr>
+        <p:spPr>
+          <a:xfrm rot="16200000" flipH="1">
+            <a:off x="3578654" y="1766459"/>
+            <a:ext cx="2581633" cy="4178047"/>
+          </a:xfrm>
+          <a:prstGeom prst="bentConnector2">
+            <a:avLst/>
+          </a:prstGeom>
+          <a:ln w="57150">
+            <a:solidFill>
+              <a:srgbClr val="FF0000"/>
+            </a:solidFill>
+            <a:tailEnd type="triangle"/>
+          </a:ln>
+        </p:spPr>
+        <p:style>
+          <a:lnRef idx="1">
+            <a:schemeClr val="accent1"/>
+          </a:lnRef>
+          <a:fillRef idx="0">
+            <a:schemeClr val="accent1"/>
+          </a:fillRef>
+          <a:effectRef idx="0">
+            <a:schemeClr val="accent1"/>
+          </a:effectRef>
+          <a:fontRef idx="minor">
+            <a:schemeClr val="tx1"/>
+          </a:fontRef>
+        </p:style>
+      </p:cxnSp>
+      <p:cxnSp>
+        <p:nvCxnSpPr>
+          <p:cNvPr id="25" name="Connector: Elbow 24">
+            <a:extLst>
+              <a:ext uri="{FF2B5EF4-FFF2-40B4-BE49-F238E27FC236}">
+                <a16:creationId xmlns:a16="http://schemas.microsoft.com/office/drawing/2014/main" id="{CA6CDBA5-93B3-4782-8994-F25D6B2C784B}"/>
+              </a:ext>
+            </a:extLst>
+          </p:cNvPr>
+          <p:cNvCxnSpPr>
+            <a:cxnSpLocks/>
+            <a:stCxn id="5" idx="2"/>
+            <a:endCxn id="7" idx="1"/>
+          </p:cNvCxnSpPr>
+          <p:nvPr/>
+        </p:nvCxnSpPr>
+        <p:spPr>
+          <a:xfrm rot="16200000" flipH="1">
+            <a:off x="5828244" y="2310790"/>
+            <a:ext cx="974917" cy="1482669"/>
+          </a:xfrm>
+          <a:prstGeom prst="bentConnector2">
+            <a:avLst/>
+          </a:prstGeom>
+          <a:ln w="57150">
+            <a:solidFill>
+              <a:srgbClr val="FF0000"/>
+            </a:solidFill>
+            <a:tailEnd type="triangle"/>
+          </a:ln>
+        </p:spPr>
+        <p:style>
+          <a:lnRef idx="1">
+            <a:schemeClr val="accent1"/>
+          </a:lnRef>
+          <a:fillRef idx="0">
+            <a:schemeClr val="accent1"/>
+          </a:fillRef>
+          <a:effectRef idx="0">
+            <a:schemeClr val="accent1"/>
+          </a:effectRef>
+          <a:fontRef idx="minor">
+            <a:schemeClr val="tx1"/>
+          </a:fontRef>
+        </p:style>
+      </p:cxnSp>
+      <p:cxnSp>
+        <p:nvCxnSpPr>
+          <p:cNvPr id="28" name="Connector: Elbow 27">
+            <a:extLst>
+              <a:ext uri="{FF2B5EF4-FFF2-40B4-BE49-F238E27FC236}">
+                <a16:creationId xmlns:a16="http://schemas.microsoft.com/office/drawing/2014/main" id="{C47DF77D-FD93-4641-A8F8-19288313006B}"/>
+              </a:ext>
+            </a:extLst>
+          </p:cNvPr>
+          <p:cNvCxnSpPr>
+            <a:cxnSpLocks/>
+            <a:stCxn id="6" idx="2"/>
+            <a:endCxn id="7" idx="3"/>
+          </p:cNvCxnSpPr>
+          <p:nvPr/>
+        </p:nvCxnSpPr>
+        <p:spPr>
+          <a:xfrm rot="5400000">
+            <a:off x="8934968" y="2270911"/>
+            <a:ext cx="974918" cy="1562428"/>
+          </a:xfrm>
+          <a:prstGeom prst="bentConnector2">
+            <a:avLst/>
+          </a:prstGeom>
+          <a:ln w="57150">
+            <a:solidFill>
+              <a:srgbClr val="FF0000"/>
+            </a:solidFill>
+            <a:tailEnd type="triangle"/>
+          </a:ln>
+        </p:spPr>
+        <p:style>
+          <a:lnRef idx="1">
+            <a:schemeClr val="accent1"/>
+          </a:lnRef>
+          <a:fillRef idx="0">
+            <a:schemeClr val="accent1"/>
+          </a:fillRef>
+          <a:effectRef idx="0">
+            <a:schemeClr val="accent1"/>
+          </a:effectRef>
+          <a:fontRef idx="minor">
+            <a:schemeClr val="tx1"/>
+          </a:fontRef>
+        </p:style>
+      </p:cxnSp>
+      <p:cxnSp>
+        <p:nvCxnSpPr>
+          <p:cNvPr id="31" name="Connector: Elbow 30">
+            <a:extLst>
+              <a:ext uri="{FF2B5EF4-FFF2-40B4-BE49-F238E27FC236}">
+                <a16:creationId xmlns:a16="http://schemas.microsoft.com/office/drawing/2014/main" id="{95BD67F7-D195-46F1-80CA-A9C9E1354DDF}"/>
+              </a:ext>
+            </a:extLst>
+          </p:cNvPr>
+          <p:cNvCxnSpPr>
+            <a:cxnSpLocks/>
+            <a:stCxn id="7" idx="0"/>
+            <a:endCxn id="6" idx="1"/>
+          </p:cNvCxnSpPr>
+          <p:nvPr/>
+        </p:nvCxnSpPr>
+        <p:spPr>
+          <a:xfrm rot="5400000" flipH="1" flipV="1">
+            <a:off x="8142881" y="1892813"/>
+            <a:ext cx="974917" cy="1562428"/>
+          </a:xfrm>
+          <a:prstGeom prst="bentConnector2">
+            <a:avLst/>
+          </a:prstGeom>
+          <a:ln w="57150">
+            <a:solidFill>
+              <a:srgbClr val="FF0000"/>
+            </a:solidFill>
+            <a:tailEnd type="triangle"/>
+          </a:ln>
+        </p:spPr>
+        <p:style>
+          <a:lnRef idx="1">
+            <a:schemeClr val="accent1"/>
+          </a:lnRef>
+          <a:fillRef idx="0">
+            <a:schemeClr val="accent1"/>
+          </a:fillRef>
+          <a:effectRef idx="0">
+            <a:schemeClr val="accent1"/>
+          </a:effectRef>
+          <a:fontRef idx="minor">
+            <a:schemeClr val="tx1"/>
+          </a:fontRef>
+        </p:style>
+      </p:cxnSp>
+      <p:cxnSp>
+        <p:nvCxnSpPr>
+          <p:cNvPr id="34" name="Connector: Elbow 33">
+            <a:extLst>
+              <a:ext uri="{FF2B5EF4-FFF2-40B4-BE49-F238E27FC236}">
+                <a16:creationId xmlns:a16="http://schemas.microsoft.com/office/drawing/2014/main" id="{BA9E63DA-DEB4-4E70-AA64-25CC75BD07AD}"/>
+              </a:ext>
+            </a:extLst>
+          </p:cNvPr>
+          <p:cNvCxnSpPr>
+            <a:cxnSpLocks/>
+          </p:cNvCxnSpPr>
+          <p:nvPr/>
+        </p:nvCxnSpPr>
+        <p:spPr>
+          <a:xfrm>
+            <a:off x="3572535" y="2026149"/>
+            <a:ext cx="1209745" cy="12700"/>
+          </a:xfrm>
+          <a:prstGeom prst="bentConnector3">
+            <a:avLst>
+              <a:gd name="adj1" fmla="val 85804"/>
+            </a:avLst>
+          </a:prstGeom>
+          <a:ln w="57150">
+            <a:solidFill>
+              <a:srgbClr val="FF0000"/>
+            </a:solidFill>
+            <a:tailEnd type="triangle"/>
+          </a:ln>
+        </p:spPr>
+        <p:style>
+          <a:lnRef idx="1">
+            <a:schemeClr val="accent1"/>
+          </a:lnRef>
+          <a:fillRef idx="0">
+            <a:schemeClr val="accent1"/>
+          </a:fillRef>
+          <a:effectRef idx="0">
+            <a:schemeClr val="accent1"/>
+          </a:effectRef>
+          <a:fontRef idx="minor">
+            <a:schemeClr val="tx1"/>
+          </a:fontRef>
+        </p:style>
+      </p:cxnSp>
+      <p:cxnSp>
+        <p:nvCxnSpPr>
+          <p:cNvPr id="38" name="Connector: Elbow 37">
+            <a:extLst>
+              <a:ext uri="{FF2B5EF4-FFF2-40B4-BE49-F238E27FC236}">
+                <a16:creationId xmlns:a16="http://schemas.microsoft.com/office/drawing/2014/main" id="{3D9ED100-327F-4ECD-BD82-7B4B3BC0E6D3}"/>
+              </a:ext>
+            </a:extLst>
+          </p:cNvPr>
+          <p:cNvCxnSpPr>
+            <a:cxnSpLocks/>
+          </p:cNvCxnSpPr>
+          <p:nvPr/>
+        </p:nvCxnSpPr>
+        <p:spPr>
+          <a:xfrm flipV="1">
+            <a:off x="6366456" y="1945938"/>
+            <a:ext cx="3045097" cy="1"/>
+          </a:xfrm>
+          <a:prstGeom prst="bentConnector3">
+            <a:avLst>
+              <a:gd name="adj1" fmla="val 50000"/>
+            </a:avLst>
+          </a:prstGeom>
+          <a:ln w="57150">
+            <a:solidFill>
+              <a:srgbClr val="FF0000"/>
+            </a:solidFill>
+            <a:tailEnd type="triangle"/>
+          </a:ln>
+        </p:spPr>
+        <p:style>
+          <a:lnRef idx="1">
+            <a:schemeClr val="accent1"/>
+          </a:lnRef>
+          <a:fillRef idx="0">
+            <a:schemeClr val="accent1"/>
+          </a:fillRef>
+          <a:effectRef idx="0">
+            <a:schemeClr val="accent1"/>
+          </a:effectRef>
+          <a:fontRef idx="minor">
+            <a:schemeClr val="tx1"/>
+          </a:fontRef>
+        </p:style>
+      </p:cxnSp>
+      <p:cxnSp>
+        <p:nvCxnSpPr>
+          <p:cNvPr id="41" name="Connector: Elbow 40">
+            <a:extLst>
+              <a:ext uri="{FF2B5EF4-FFF2-40B4-BE49-F238E27FC236}">
+                <a16:creationId xmlns:a16="http://schemas.microsoft.com/office/drawing/2014/main" id="{A04740E4-EA94-4B89-845B-3BA92C27A95F}"/>
+              </a:ext>
+            </a:extLst>
+          </p:cNvPr>
+          <p:cNvCxnSpPr>
+            <a:cxnSpLocks/>
+            <a:stCxn id="7" idx="2"/>
+          </p:cNvCxnSpPr>
+          <p:nvPr/>
+        </p:nvCxnSpPr>
+        <p:spPr>
+          <a:xfrm rot="5400000">
+            <a:off x="7457391" y="4309416"/>
+            <a:ext cx="783468" cy="12700"/>
+          </a:xfrm>
+          <a:prstGeom prst="bentConnector3">
+            <a:avLst>
+              <a:gd name="adj1" fmla="val 88904"/>
+            </a:avLst>
+          </a:prstGeom>
+          <a:ln w="57150">
+            <a:solidFill>
+              <a:srgbClr val="FF0000"/>
+            </a:solidFill>
+            <a:tailEnd type="triangle"/>
+          </a:ln>
+        </p:spPr>
+        <p:style>
+          <a:lnRef idx="1">
+            <a:schemeClr val="accent1"/>
+          </a:lnRef>
+          <a:fillRef idx="0">
+            <a:schemeClr val="accent1"/>
+          </a:fillRef>
+          <a:effectRef idx="0">
+            <a:schemeClr val="accent1"/>
+          </a:effectRef>
+          <a:fontRef idx="minor">
+            <a:schemeClr val="tx1"/>
+          </a:fontRef>
+        </p:style>
+      </p:cxnSp>
+      <p:cxnSp>
+        <p:nvCxnSpPr>
+          <p:cNvPr id="46" name="Connector: Elbow 45">
+            <a:extLst>
+              <a:ext uri="{FF2B5EF4-FFF2-40B4-BE49-F238E27FC236}">
+                <a16:creationId xmlns:a16="http://schemas.microsoft.com/office/drawing/2014/main" id="{E03C138C-6AF7-42B5-8B16-859C1A904B00}"/>
+              </a:ext>
+            </a:extLst>
+          </p:cNvPr>
+          <p:cNvCxnSpPr>
+            <a:cxnSpLocks/>
+          </p:cNvCxnSpPr>
+          <p:nvPr/>
+        </p:nvCxnSpPr>
+        <p:spPr>
+          <a:xfrm rot="10800000">
+            <a:off x="3572536" y="2327605"/>
+            <a:ext cx="1209747" cy="12700"/>
+          </a:xfrm>
+          <a:prstGeom prst="bentConnector3">
+            <a:avLst>
+              <a:gd name="adj1" fmla="val 84478"/>
+            </a:avLst>
+          </a:prstGeom>
+          <a:ln w="57150">
+            <a:solidFill>
+              <a:srgbClr val="FF0000"/>
+            </a:solidFill>
+            <a:tailEnd type="triangle"/>
+          </a:ln>
+        </p:spPr>
+        <p:style>
+          <a:lnRef idx="1">
+            <a:schemeClr val="accent1"/>
+          </a:lnRef>
+          <a:fillRef idx="0">
+            <a:schemeClr val="accent1"/>
+          </a:fillRef>
+          <a:effectRef idx="0">
+            <a:schemeClr val="accent1"/>
+          </a:effectRef>
+          <a:fontRef idx="minor">
+            <a:schemeClr val="tx1"/>
+          </a:fontRef>
+        </p:style>
+      </p:cxnSp>
+      <p:sp>
+        <p:nvSpPr>
+          <p:cNvPr id="51" name="TextBox 50">
+            <a:extLst>
+              <a:ext uri="{FF2B5EF4-FFF2-40B4-BE49-F238E27FC236}">
+                <a16:creationId xmlns:a16="http://schemas.microsoft.com/office/drawing/2014/main" id="{C27A8BD3-7422-4A3A-BCAB-DE6DE2E2853D}"/>
+              </a:ext>
+            </a:extLst>
+          </p:cNvPr>
+          <p:cNvSpPr txBox="1"/>
+          <p:nvPr/>
+        </p:nvSpPr>
+        <p:spPr>
+          <a:xfrm>
+            <a:off x="4005283" y="1480204"/>
+            <a:ext cx="534357" cy="523220"/>
+          </a:xfrm>
+          <a:prstGeom prst="rect">
+            <a:avLst/>
+          </a:prstGeom>
+          <a:noFill/>
+        </p:spPr>
+        <p:txBody>
+          <a:bodyPr wrap="square" rtlCol="0">
+            <a:spAutoFit/>
+          </a:bodyPr>
+          <a:lstStyle/>
+          <a:p>
+            <a:r>
+              <a:rPr lang="el-GR" sz="2800" dirty="0"/>
+              <a:t>α</a:t>
+            </a:r>
+            <a:endParaRPr lang="en-GB" sz="2800" dirty="0"/>
+          </a:p>
+        </p:txBody>
+      </p:sp>
+      <p:sp>
+        <p:nvSpPr>
+          <p:cNvPr id="52" name="TextBox 51">
+            <a:extLst>
+              <a:ext uri="{FF2B5EF4-FFF2-40B4-BE49-F238E27FC236}">
+                <a16:creationId xmlns:a16="http://schemas.microsoft.com/office/drawing/2014/main" id="{ED7F902D-C0E1-4A8D-9DB3-4600051A43E6}"/>
+              </a:ext>
+            </a:extLst>
+          </p:cNvPr>
+          <p:cNvSpPr txBox="1"/>
+          <p:nvPr/>
+        </p:nvSpPr>
+        <p:spPr>
+          <a:xfrm>
+            <a:off x="4005283" y="2374133"/>
+            <a:ext cx="534357" cy="523220"/>
+          </a:xfrm>
+          <a:prstGeom prst="rect">
+            <a:avLst/>
+          </a:prstGeom>
+          <a:noFill/>
+        </p:spPr>
+        <p:txBody>
+          <a:bodyPr wrap="square" rtlCol="0">
+            <a:spAutoFit/>
+          </a:bodyPr>
+          <a:lstStyle/>
+          <a:p>
+            <a:r>
+              <a:rPr lang="el-GR" sz="2800" dirty="0"/>
+              <a:t>α</a:t>
+            </a:r>
+            <a:r>
+              <a:rPr lang="en-GB" sz="2800" baseline="-25000" dirty="0"/>
+              <a:t>1</a:t>
+            </a:r>
+            <a:endParaRPr lang="en-GB" sz="2800" dirty="0"/>
+          </a:p>
+        </p:txBody>
+      </p:sp>
+      <p:sp>
+        <p:nvSpPr>
+          <p:cNvPr id="53" name="TextBox 52">
+            <a:extLst>
+              <a:ext uri="{FF2B5EF4-FFF2-40B4-BE49-F238E27FC236}">
+                <a16:creationId xmlns:a16="http://schemas.microsoft.com/office/drawing/2014/main" id="{278EF247-2CD8-40D4-BFA6-26579ABC95F6}"/>
+              </a:ext>
+            </a:extLst>
+          </p:cNvPr>
+          <p:cNvSpPr txBox="1"/>
+          <p:nvPr/>
+        </p:nvSpPr>
+        <p:spPr>
+          <a:xfrm>
+            <a:off x="2906399" y="4535820"/>
+            <a:ext cx="534357" cy="523220"/>
+          </a:xfrm>
+          <a:prstGeom prst="rect">
+            <a:avLst/>
+          </a:prstGeom>
+          <a:noFill/>
+        </p:spPr>
+        <p:txBody>
+          <a:bodyPr wrap="square" rtlCol="0">
+            <a:spAutoFit/>
+          </a:bodyPr>
+          <a:lstStyle/>
+          <a:p>
+            <a:r>
+              <a:rPr lang="el-GR" sz="2800" dirty="0"/>
+              <a:t>δ</a:t>
+            </a:r>
+            <a:endParaRPr lang="en-GB" sz="2800" dirty="0"/>
+          </a:p>
+        </p:txBody>
+      </p:sp>
+      <p:sp>
+        <p:nvSpPr>
+          <p:cNvPr id="54" name="TextBox 53">
+            <a:extLst>
+              <a:ext uri="{FF2B5EF4-FFF2-40B4-BE49-F238E27FC236}">
+                <a16:creationId xmlns:a16="http://schemas.microsoft.com/office/drawing/2014/main" id="{E1AB70CD-AF54-4316-BFAF-8C825C629319}"/>
+              </a:ext>
+            </a:extLst>
+          </p:cNvPr>
+          <p:cNvSpPr txBox="1"/>
+          <p:nvPr/>
+        </p:nvSpPr>
+        <p:spPr>
+          <a:xfrm>
+            <a:off x="8103837" y="1369730"/>
+            <a:ext cx="289002" cy="523220"/>
+          </a:xfrm>
+          <a:prstGeom prst="rect">
+            <a:avLst/>
+          </a:prstGeom>
+          <a:noFill/>
+        </p:spPr>
+        <p:txBody>
+          <a:bodyPr wrap="square" rtlCol="0">
+            <a:spAutoFit/>
+          </a:bodyPr>
+          <a:lstStyle/>
+          <a:p>
+            <a:r>
+              <a:rPr lang="el-GR" sz="2800" dirty="0"/>
+              <a:t>ζ</a:t>
+            </a:r>
+            <a:endParaRPr lang="en-GB" sz="2800" dirty="0"/>
+          </a:p>
+        </p:txBody>
+      </p:sp>
+      <p:sp>
+        <p:nvSpPr>
+          <p:cNvPr id="55" name="TextBox 54">
+            <a:extLst>
+              <a:ext uri="{FF2B5EF4-FFF2-40B4-BE49-F238E27FC236}">
+                <a16:creationId xmlns:a16="http://schemas.microsoft.com/office/drawing/2014/main" id="{C3DA6DDD-3C2C-4002-9696-8E0DF83A53BA}"/>
+              </a:ext>
+            </a:extLst>
+          </p:cNvPr>
+          <p:cNvSpPr txBox="1"/>
+          <p:nvPr/>
+        </p:nvSpPr>
+        <p:spPr>
+          <a:xfrm>
+            <a:off x="7867704" y="2461447"/>
+            <a:ext cx="641736" cy="523220"/>
+          </a:xfrm>
+          <a:prstGeom prst="rect">
+            <a:avLst/>
+          </a:prstGeom>
+          <a:noFill/>
+        </p:spPr>
+        <p:txBody>
+          <a:bodyPr wrap="square" rtlCol="0">
+            <a:spAutoFit/>
+          </a:bodyPr>
+          <a:lstStyle/>
+          <a:p>
+            <a:r>
+              <a:rPr lang="el-GR" sz="2800" dirty="0"/>
+              <a:t>ζ</a:t>
+            </a:r>
+            <a:r>
+              <a:rPr lang="en-GB" sz="2800" baseline="-25000" dirty="0"/>
+              <a:t>1</a:t>
+            </a:r>
+            <a:endParaRPr lang="en-GB" sz="2800" dirty="0"/>
+          </a:p>
+        </p:txBody>
+      </p:sp>
+      <p:sp>
+        <p:nvSpPr>
+          <p:cNvPr id="56" name="TextBox 55">
+            <a:extLst>
+              <a:ext uri="{FF2B5EF4-FFF2-40B4-BE49-F238E27FC236}">
+                <a16:creationId xmlns:a16="http://schemas.microsoft.com/office/drawing/2014/main" id="{DCB3C13D-7EA3-4601-BB2A-5517CD431CB9}"/>
+              </a:ext>
+            </a:extLst>
+          </p:cNvPr>
+          <p:cNvSpPr txBox="1"/>
+          <p:nvPr/>
+        </p:nvSpPr>
+        <p:spPr>
+          <a:xfrm>
+            <a:off x="9752415" y="2844804"/>
+            <a:ext cx="641736" cy="523220"/>
+          </a:xfrm>
+          <a:prstGeom prst="rect">
+            <a:avLst/>
+          </a:prstGeom>
+          <a:noFill/>
+        </p:spPr>
+        <p:txBody>
+          <a:bodyPr wrap="square" rtlCol="0">
+            <a:spAutoFit/>
+          </a:bodyPr>
+          <a:lstStyle/>
+          <a:p>
+            <a:r>
+              <a:rPr lang="el-GR" sz="2800" dirty="0"/>
+              <a:t>Δ</a:t>
+            </a:r>
+            <a:r>
+              <a:rPr lang="en-GB" sz="2800" baseline="-25000" dirty="0"/>
+              <a:t>1</a:t>
+            </a:r>
+            <a:endParaRPr lang="en-GB" sz="2800" dirty="0"/>
+          </a:p>
+        </p:txBody>
+      </p:sp>
+      <p:sp>
+        <p:nvSpPr>
+          <p:cNvPr id="57" name="TextBox 56">
+            <a:extLst>
+              <a:ext uri="{FF2B5EF4-FFF2-40B4-BE49-F238E27FC236}">
+                <a16:creationId xmlns:a16="http://schemas.microsoft.com/office/drawing/2014/main" id="{EDF5EC5A-AEE5-41E4-AA6F-87F997DBF13D}"/>
+              </a:ext>
+            </a:extLst>
+          </p:cNvPr>
+          <p:cNvSpPr txBox="1"/>
+          <p:nvPr/>
+        </p:nvSpPr>
+        <p:spPr>
+          <a:xfrm>
+            <a:off x="5623213" y="2962122"/>
+            <a:ext cx="641736" cy="523220"/>
+          </a:xfrm>
+          <a:prstGeom prst="rect">
+            <a:avLst/>
+          </a:prstGeom>
+          <a:noFill/>
+        </p:spPr>
+        <p:txBody>
+          <a:bodyPr wrap="square" rtlCol="0">
+            <a:spAutoFit/>
+          </a:bodyPr>
+          <a:lstStyle/>
+          <a:p>
+            <a:r>
+              <a:rPr lang="el-GR" sz="2800" dirty="0"/>
+              <a:t>Δ</a:t>
+            </a:r>
+            <a:endParaRPr lang="en-GB" sz="2800" dirty="0"/>
+          </a:p>
+        </p:txBody>
+      </p:sp>
+      <p:sp>
+        <p:nvSpPr>
+          <p:cNvPr id="58" name="TextBox 57">
+            <a:extLst>
+              <a:ext uri="{FF2B5EF4-FFF2-40B4-BE49-F238E27FC236}">
+                <a16:creationId xmlns:a16="http://schemas.microsoft.com/office/drawing/2014/main" id="{CE88E343-FE0E-43DA-BDB8-ED08027F2E39}"/>
+              </a:ext>
+            </a:extLst>
+          </p:cNvPr>
+          <p:cNvSpPr txBox="1"/>
+          <p:nvPr/>
+        </p:nvSpPr>
+        <p:spPr>
+          <a:xfrm>
+            <a:off x="7921393" y="4012600"/>
+            <a:ext cx="534357" cy="523220"/>
+          </a:xfrm>
+          <a:prstGeom prst="rect">
+            <a:avLst/>
+          </a:prstGeom>
+          <a:noFill/>
+        </p:spPr>
+        <p:txBody>
+          <a:bodyPr wrap="square" rtlCol="0">
+            <a:spAutoFit/>
+          </a:bodyPr>
+          <a:lstStyle/>
+          <a:p>
+            <a:r>
+              <a:rPr lang="el-GR" sz="2800" dirty="0"/>
+              <a:t>δ</a:t>
+            </a:r>
+            <a:r>
+              <a:rPr lang="en-GB" sz="2800" baseline="-25000" dirty="0"/>
+              <a:t>1</a:t>
+            </a:r>
+            <a:endParaRPr lang="en-GB" sz="2800" dirty="0"/>
+          </a:p>
+        </p:txBody>
+      </p:sp>
+      <p:sp>
+        <p:nvSpPr>
+          <p:cNvPr id="59" name="TextBox 58">
+            <a:extLst>
+              <a:ext uri="{FF2B5EF4-FFF2-40B4-BE49-F238E27FC236}">
+                <a16:creationId xmlns:a16="http://schemas.microsoft.com/office/drawing/2014/main" id="{5326682E-5091-4582-85D1-ACC8597ED4E0}"/>
+              </a:ext>
+            </a:extLst>
+          </p:cNvPr>
+          <p:cNvSpPr txBox="1"/>
+          <p:nvPr/>
+        </p:nvSpPr>
+        <p:spPr>
+          <a:xfrm>
+            <a:off x="11352002" y="2199837"/>
+            <a:ext cx="534357" cy="523220"/>
+          </a:xfrm>
+          <a:prstGeom prst="rect">
+            <a:avLst/>
+          </a:prstGeom>
+          <a:noFill/>
+        </p:spPr>
+        <p:txBody>
+          <a:bodyPr wrap="square" rtlCol="0">
+            <a:spAutoFit/>
+          </a:bodyPr>
+          <a:lstStyle/>
+          <a:p>
+            <a:r>
+              <a:rPr lang="el-GR" sz="2800" dirty="0"/>
+              <a:t>δ</a:t>
+            </a:r>
+            <a:r>
+              <a:rPr lang="en-GB" sz="2800" baseline="-25000" dirty="0"/>
+              <a:t>2</a:t>
+            </a:r>
+            <a:endParaRPr lang="en-GB" sz="2800" dirty="0"/>
           </a:p>
         </p:txBody>
       </p:sp>

--- a/Documentation/diagrams.pptx
+++ b/Documentation/diagrams.pptx
@@ -5,10 +5,11 @@
     <p:sldMasterId id="2147483648" r:id="rId1"/>
   </p:sldMasterIdLst>
   <p:notesMasterIdLst>
-    <p:notesMasterId r:id="rId3"/>
+    <p:notesMasterId r:id="rId4"/>
   </p:notesMasterIdLst>
   <p:sldIdLst>
     <p:sldId id="256" r:id="rId2"/>
+    <p:sldId id="257" r:id="rId3"/>
   </p:sldIdLst>
   <p:sldSz cx="12192000" cy="6858000"/>
   <p:notesSz cx="6858000" cy="9144000"/>
@@ -197,7 +198,7 @@
           <a:p>
             <a:fld id="{89BE2BE4-27D5-4BCE-BD88-1958690082D4}" type="datetimeFigureOut">
               <a:rPr lang="en-GB" smtClean="0"/>
-              <a:t>28/03/2018</a:t>
+              <a:t>29/03/2018</a:t>
             </a:fld>
             <a:endParaRPr lang="en-GB"/>
           </a:p>
@@ -614,7 +615,7 @@
           <a:p>
             <a:fld id="{7BC8567C-CC54-47B6-A913-A1B26A758FD0}" type="datetimeFigureOut">
               <a:rPr lang="en-GB" smtClean="0"/>
-              <a:t>28/03/2018</a:t>
+              <a:t>29/03/2018</a:t>
             </a:fld>
             <a:endParaRPr lang="en-GB"/>
           </a:p>
@@ -814,7 +815,7 @@
           <a:p>
             <a:fld id="{7BC8567C-CC54-47B6-A913-A1B26A758FD0}" type="datetimeFigureOut">
               <a:rPr lang="en-GB" smtClean="0"/>
-              <a:t>28/03/2018</a:t>
+              <a:t>29/03/2018</a:t>
             </a:fld>
             <a:endParaRPr lang="en-GB"/>
           </a:p>
@@ -1024,7 +1025,7 @@
           <a:p>
             <a:fld id="{7BC8567C-CC54-47B6-A913-A1B26A758FD0}" type="datetimeFigureOut">
               <a:rPr lang="en-GB" smtClean="0"/>
-              <a:t>28/03/2018</a:t>
+              <a:t>29/03/2018</a:t>
             </a:fld>
             <a:endParaRPr lang="en-GB"/>
           </a:p>
@@ -1224,7 +1225,7 @@
           <a:p>
             <a:fld id="{7BC8567C-CC54-47B6-A913-A1B26A758FD0}" type="datetimeFigureOut">
               <a:rPr lang="en-GB" smtClean="0"/>
-              <a:t>28/03/2018</a:t>
+              <a:t>29/03/2018</a:t>
             </a:fld>
             <a:endParaRPr lang="en-GB"/>
           </a:p>
@@ -1500,7 +1501,7 @@
           <a:p>
             <a:fld id="{7BC8567C-CC54-47B6-A913-A1B26A758FD0}" type="datetimeFigureOut">
               <a:rPr lang="en-GB" smtClean="0"/>
-              <a:t>28/03/2018</a:t>
+              <a:t>29/03/2018</a:t>
             </a:fld>
             <a:endParaRPr lang="en-GB"/>
           </a:p>
@@ -1768,7 +1769,7 @@
           <a:p>
             <a:fld id="{7BC8567C-CC54-47B6-A913-A1B26A758FD0}" type="datetimeFigureOut">
               <a:rPr lang="en-GB" smtClean="0"/>
-              <a:t>28/03/2018</a:t>
+              <a:t>29/03/2018</a:t>
             </a:fld>
             <a:endParaRPr lang="en-GB"/>
           </a:p>
@@ -2183,7 +2184,7 @@
           <a:p>
             <a:fld id="{7BC8567C-CC54-47B6-A913-A1B26A758FD0}" type="datetimeFigureOut">
               <a:rPr lang="en-GB" smtClean="0"/>
-              <a:t>28/03/2018</a:t>
+              <a:t>29/03/2018</a:t>
             </a:fld>
             <a:endParaRPr lang="en-GB"/>
           </a:p>
@@ -2325,7 +2326,7 @@
           <a:p>
             <a:fld id="{7BC8567C-CC54-47B6-A913-A1B26A758FD0}" type="datetimeFigureOut">
               <a:rPr lang="en-GB" smtClean="0"/>
-              <a:t>28/03/2018</a:t>
+              <a:t>29/03/2018</a:t>
             </a:fld>
             <a:endParaRPr lang="en-GB"/>
           </a:p>
@@ -2438,7 +2439,7 @@
           <a:p>
             <a:fld id="{7BC8567C-CC54-47B6-A913-A1B26A758FD0}" type="datetimeFigureOut">
               <a:rPr lang="en-GB" smtClean="0"/>
-              <a:t>28/03/2018</a:t>
+              <a:t>29/03/2018</a:t>
             </a:fld>
             <a:endParaRPr lang="en-GB"/>
           </a:p>
@@ -2751,7 +2752,7 @@
           <a:p>
             <a:fld id="{7BC8567C-CC54-47B6-A913-A1B26A758FD0}" type="datetimeFigureOut">
               <a:rPr lang="en-GB" smtClean="0"/>
-              <a:t>28/03/2018</a:t>
+              <a:t>29/03/2018</a:t>
             </a:fld>
             <a:endParaRPr lang="en-GB"/>
           </a:p>
@@ -3040,7 +3041,7 @@
           <a:p>
             <a:fld id="{7BC8567C-CC54-47B6-A913-A1B26A758FD0}" type="datetimeFigureOut">
               <a:rPr lang="en-GB" smtClean="0"/>
-              <a:t>28/03/2018</a:t>
+              <a:t>29/03/2018</a:t>
             </a:fld>
             <a:endParaRPr lang="en-GB"/>
           </a:p>
@@ -3283,7 +3284,7 @@
           <a:p>
             <a:fld id="{7BC8567C-CC54-47B6-A913-A1B26A758FD0}" type="datetimeFigureOut">
               <a:rPr lang="en-GB" smtClean="0"/>
-              <a:t>28/03/2018</a:t>
+              <a:t>29/03/2018</a:t>
             </a:fld>
             <a:endParaRPr lang="en-GB"/>
           </a:p>
@@ -4199,7 +4200,7 @@
           </a:prstGeom>
           <a:ln w="57150">
             <a:solidFill>
-              <a:srgbClr val="FF0000"/>
+              <a:srgbClr val="002060"/>
             </a:solidFill>
             <a:tailEnd type="triangle"/>
           </a:ln>
@@ -4337,7 +4338,7 @@
           </a:prstGeom>
           <a:ln w="57150">
             <a:solidFill>
-              <a:srgbClr val="FF0000"/>
+              <a:srgbClr val="002060"/>
             </a:solidFill>
             <a:tailEnd type="triangle"/>
           </a:ln>
@@ -4383,7 +4384,7 @@
           </a:prstGeom>
           <a:ln w="57150">
             <a:solidFill>
-              <a:srgbClr val="FF0000"/>
+              <a:srgbClr val="002060"/>
             </a:solidFill>
             <a:tailEnd type="triangle"/>
           </a:ln>
@@ -4475,7 +4476,7 @@
           </a:prstGeom>
           <a:ln w="57150">
             <a:solidFill>
-              <a:srgbClr val="FF0000"/>
+              <a:srgbClr val="002060"/>
             </a:solidFill>
             <a:tailEnd type="triangle"/>
           </a:ln>
@@ -4936,6 +4937,195 @@
     <p:extLst>
       <p:ext uri="{BB962C8B-B14F-4D97-AF65-F5344CB8AC3E}">
         <p14:creationId xmlns:p14="http://schemas.microsoft.com/office/powerpoint/2010/main" val="1991650510"/>
+      </p:ext>
+    </p:extLst>
+  </p:cSld>
+  <p:clrMapOvr>
+    <a:masterClrMapping/>
+  </p:clrMapOvr>
+</p:sld>
+</file>
+
+<file path=ppt/slides/slide2.xml><?xml version="1.0" encoding="utf-8"?>
+<p:sld xmlns:a="http://schemas.openxmlformats.org/drawingml/2006/main" xmlns:r="http://schemas.openxmlformats.org/officeDocument/2006/relationships" xmlns:p="http://schemas.openxmlformats.org/presentationml/2006/main">
+  <p:cSld>
+    <p:spTree>
+      <p:nvGrpSpPr>
+        <p:cNvPr id="1" name=""/>
+        <p:cNvGrpSpPr/>
+        <p:nvPr/>
+      </p:nvGrpSpPr>
+      <p:grpSpPr>
+        <a:xfrm>
+          <a:off x="0" y="0"/>
+          <a:ext cx="0" cy="0"/>
+          <a:chOff x="0" y="0"/>
+          <a:chExt cx="0" cy="0"/>
+        </a:xfrm>
+      </p:grpSpPr>
+      <p:sp>
+        <p:nvSpPr>
+          <p:cNvPr id="4" name="TextBox 3">
+            <a:extLst>
+              <a:ext uri="{FF2B5EF4-FFF2-40B4-BE49-F238E27FC236}">
+                <a16:creationId xmlns:a16="http://schemas.microsoft.com/office/drawing/2014/main" id="{B4B6317F-998E-4015-9965-07197EA307D4}"/>
+              </a:ext>
+            </a:extLst>
+          </p:cNvPr>
+          <p:cNvSpPr txBox="1"/>
+          <p:nvPr/>
+        </p:nvSpPr>
+        <p:spPr>
+          <a:xfrm>
+            <a:off x="842210" y="181957"/>
+            <a:ext cx="7170822" cy="5509200"/>
+          </a:xfrm>
+          <a:prstGeom prst="rect">
+            <a:avLst/>
+          </a:prstGeom>
+          <a:noFill/>
+        </p:spPr>
+        <p:txBody>
+          <a:bodyPr wrap="square" rtlCol="0">
+            <a:spAutoFit/>
+          </a:bodyPr>
+          <a:lstStyle/>
+          <a:p>
+            <a:pPr marL="457200" indent="-457200">
+              <a:buFont typeface="Courier New" panose="02070309020205020404" pitchFamily="49" charset="0"/>
+              <a:buChar char="o"/>
+            </a:pPr>
+            <a:r>
+              <a:rPr lang="en-GB" sz="3200" dirty="0"/>
+              <a:t>File</a:t>
+            </a:r>
+          </a:p>
+          <a:p>
+            <a:pPr marL="1371600" lvl="2" indent="-457200">
+              <a:buFont typeface="Wingdings" panose="05000000000000000000" pitchFamily="2" charset="2"/>
+              <a:buChar char="Ø"/>
+            </a:pPr>
+            <a:r>
+              <a:rPr lang="en-GB" sz="2400" dirty="0"/>
+              <a:t>New Scenario</a:t>
+            </a:r>
+          </a:p>
+          <a:p>
+            <a:pPr marL="1371600" lvl="2" indent="-457200">
+              <a:buFont typeface="Wingdings" panose="05000000000000000000" pitchFamily="2" charset="2"/>
+              <a:buChar char="Ø"/>
+            </a:pPr>
+            <a:r>
+              <a:rPr lang="en-GB" sz="2400" dirty="0"/>
+              <a:t>Open Scenario</a:t>
+            </a:r>
+          </a:p>
+          <a:p>
+            <a:pPr marL="1371600" lvl="2" indent="-457200">
+              <a:buFont typeface="Wingdings" panose="05000000000000000000" pitchFamily="2" charset="2"/>
+              <a:buChar char="Ø"/>
+            </a:pPr>
+            <a:r>
+              <a:rPr lang="en-GB" sz="2400" dirty="0"/>
+              <a:t>Save</a:t>
+            </a:r>
+          </a:p>
+          <a:p>
+            <a:pPr marL="1371600" lvl="2" indent="-457200">
+              <a:buFont typeface="Wingdings" panose="05000000000000000000" pitchFamily="2" charset="2"/>
+              <a:buChar char="Ø"/>
+            </a:pPr>
+            <a:r>
+              <a:rPr lang="en-GB" sz="2400" dirty="0"/>
+              <a:t>Save As</a:t>
+            </a:r>
+          </a:p>
+          <a:p>
+            <a:pPr marL="457200" indent="-457200">
+              <a:buFont typeface="Courier New" panose="02070309020205020404" pitchFamily="49" charset="0"/>
+              <a:buChar char="o"/>
+            </a:pPr>
+            <a:r>
+              <a:rPr lang="en-GB" sz="3200" dirty="0"/>
+              <a:t>View</a:t>
+            </a:r>
+          </a:p>
+          <a:p>
+            <a:pPr marL="1371600" lvl="2" indent="-457200">
+              <a:buFont typeface="Wingdings" panose="05000000000000000000" pitchFamily="2" charset="2"/>
+              <a:buChar char="Ø"/>
+            </a:pPr>
+            <a:r>
+              <a:rPr lang="en-GB" sz="2400" dirty="0"/>
+              <a:t>View all countries</a:t>
+            </a:r>
+          </a:p>
+          <a:p>
+            <a:pPr marL="1371600" lvl="2" indent="-457200">
+              <a:buFont typeface="Wingdings" panose="05000000000000000000" pitchFamily="2" charset="2"/>
+              <a:buChar char="Ø"/>
+            </a:pPr>
+            <a:r>
+              <a:rPr lang="en-GB" sz="2400" dirty="0"/>
+              <a:t>Add new country</a:t>
+            </a:r>
+          </a:p>
+          <a:p>
+            <a:pPr marL="457200" indent="-457200">
+              <a:buFont typeface="Courier New" panose="02070309020205020404" pitchFamily="49" charset="0"/>
+              <a:buChar char="o"/>
+            </a:pPr>
+            <a:r>
+              <a:rPr lang="en-GB" sz="3200" dirty="0"/>
+              <a:t>Help</a:t>
+            </a:r>
+          </a:p>
+          <a:p>
+            <a:pPr marL="1371600" lvl="2" indent="-457200">
+              <a:buFont typeface="Wingdings" panose="05000000000000000000" pitchFamily="2" charset="2"/>
+              <a:buChar char="Ø"/>
+            </a:pPr>
+            <a:r>
+              <a:rPr lang="en-GB" sz="2400" dirty="0"/>
+              <a:t>Online manual</a:t>
+            </a:r>
+          </a:p>
+          <a:p>
+            <a:pPr marL="1371600" lvl="2" indent="-457200">
+              <a:buFont typeface="Wingdings" panose="05000000000000000000" pitchFamily="2" charset="2"/>
+              <a:buChar char="Ø"/>
+            </a:pPr>
+            <a:r>
+              <a:rPr lang="en-GB" sz="2400" dirty="0"/>
+              <a:t>Local manual</a:t>
+            </a:r>
+          </a:p>
+          <a:p>
+            <a:pPr marL="457200" indent="-457200">
+              <a:buFont typeface="Courier New" panose="02070309020205020404" pitchFamily="49" charset="0"/>
+              <a:buChar char="o"/>
+            </a:pPr>
+            <a:r>
+              <a:rPr lang="en-GB" sz="3200" dirty="0"/>
+              <a:t>Quit</a:t>
+            </a:r>
+          </a:p>
+          <a:p>
+            <a:pPr marL="1371600" lvl="2" indent="-457200">
+              <a:buFont typeface="Wingdings" panose="05000000000000000000" pitchFamily="2" charset="2"/>
+              <a:buChar char="Ø"/>
+            </a:pPr>
+            <a:r>
+              <a:rPr lang="en-GB" sz="2400" dirty="0"/>
+              <a:t>Close Application</a:t>
+            </a:r>
+          </a:p>
+        </p:txBody>
+      </p:sp>
+    </p:spTree>
+    <p:extLst>
+      <p:ext uri="{BB962C8B-B14F-4D97-AF65-F5344CB8AC3E}">
+        <p14:creationId xmlns:p14="http://schemas.microsoft.com/office/powerpoint/2010/main" val="3501762492"/>
       </p:ext>
     </p:extLst>
   </p:cSld>

--- a/Documentation/diagrams.pptx
+++ b/Documentation/diagrams.pptx
@@ -198,7 +198,7 @@
           <a:p>
             <a:fld id="{89BE2BE4-27D5-4BCE-BD88-1958690082D4}" type="datetimeFigureOut">
               <a:rPr lang="en-GB" smtClean="0"/>
-              <a:t>29/03/2018</a:t>
+              <a:t>30/03/2018</a:t>
             </a:fld>
             <a:endParaRPr lang="en-GB"/>
           </a:p>
@@ -615,7 +615,7 @@
           <a:p>
             <a:fld id="{7BC8567C-CC54-47B6-A913-A1B26A758FD0}" type="datetimeFigureOut">
               <a:rPr lang="en-GB" smtClean="0"/>
-              <a:t>29/03/2018</a:t>
+              <a:t>30/03/2018</a:t>
             </a:fld>
             <a:endParaRPr lang="en-GB"/>
           </a:p>
@@ -815,7 +815,7 @@
           <a:p>
             <a:fld id="{7BC8567C-CC54-47B6-A913-A1B26A758FD0}" type="datetimeFigureOut">
               <a:rPr lang="en-GB" smtClean="0"/>
-              <a:t>29/03/2018</a:t>
+              <a:t>30/03/2018</a:t>
             </a:fld>
             <a:endParaRPr lang="en-GB"/>
           </a:p>
@@ -1025,7 +1025,7 @@
           <a:p>
             <a:fld id="{7BC8567C-CC54-47B6-A913-A1B26A758FD0}" type="datetimeFigureOut">
               <a:rPr lang="en-GB" smtClean="0"/>
-              <a:t>29/03/2018</a:t>
+              <a:t>30/03/2018</a:t>
             </a:fld>
             <a:endParaRPr lang="en-GB"/>
           </a:p>
@@ -1225,7 +1225,7 @@
           <a:p>
             <a:fld id="{7BC8567C-CC54-47B6-A913-A1B26A758FD0}" type="datetimeFigureOut">
               <a:rPr lang="en-GB" smtClean="0"/>
-              <a:t>29/03/2018</a:t>
+              <a:t>30/03/2018</a:t>
             </a:fld>
             <a:endParaRPr lang="en-GB"/>
           </a:p>
@@ -1501,7 +1501,7 @@
           <a:p>
             <a:fld id="{7BC8567C-CC54-47B6-A913-A1B26A758FD0}" type="datetimeFigureOut">
               <a:rPr lang="en-GB" smtClean="0"/>
-              <a:t>29/03/2018</a:t>
+              <a:t>30/03/2018</a:t>
             </a:fld>
             <a:endParaRPr lang="en-GB"/>
           </a:p>
@@ -1769,7 +1769,7 @@
           <a:p>
             <a:fld id="{7BC8567C-CC54-47B6-A913-A1B26A758FD0}" type="datetimeFigureOut">
               <a:rPr lang="en-GB" smtClean="0"/>
-              <a:t>29/03/2018</a:t>
+              <a:t>30/03/2018</a:t>
             </a:fld>
             <a:endParaRPr lang="en-GB"/>
           </a:p>
@@ -2184,7 +2184,7 @@
           <a:p>
             <a:fld id="{7BC8567C-CC54-47B6-A913-A1B26A758FD0}" type="datetimeFigureOut">
               <a:rPr lang="en-GB" smtClean="0"/>
-              <a:t>29/03/2018</a:t>
+              <a:t>30/03/2018</a:t>
             </a:fld>
             <a:endParaRPr lang="en-GB"/>
           </a:p>
@@ -2326,7 +2326,7 @@
           <a:p>
             <a:fld id="{7BC8567C-CC54-47B6-A913-A1B26A758FD0}" type="datetimeFigureOut">
               <a:rPr lang="en-GB" smtClean="0"/>
-              <a:t>29/03/2018</a:t>
+              <a:t>30/03/2018</a:t>
             </a:fld>
             <a:endParaRPr lang="en-GB"/>
           </a:p>
@@ -2439,7 +2439,7 @@
           <a:p>
             <a:fld id="{7BC8567C-CC54-47B6-A913-A1B26A758FD0}" type="datetimeFigureOut">
               <a:rPr lang="en-GB" smtClean="0"/>
-              <a:t>29/03/2018</a:t>
+              <a:t>30/03/2018</a:t>
             </a:fld>
             <a:endParaRPr lang="en-GB"/>
           </a:p>
@@ -2752,7 +2752,7 @@
           <a:p>
             <a:fld id="{7BC8567C-CC54-47B6-A913-A1B26A758FD0}" type="datetimeFigureOut">
               <a:rPr lang="en-GB" smtClean="0"/>
-              <a:t>29/03/2018</a:t>
+              <a:t>30/03/2018</a:t>
             </a:fld>
             <a:endParaRPr lang="en-GB"/>
           </a:p>
@@ -3041,7 +3041,7 @@
           <a:p>
             <a:fld id="{7BC8567C-CC54-47B6-A913-A1B26A758FD0}" type="datetimeFigureOut">
               <a:rPr lang="en-GB" smtClean="0"/>
-              <a:t>29/03/2018</a:t>
+              <a:t>30/03/2018</a:t>
             </a:fld>
             <a:endParaRPr lang="en-GB"/>
           </a:p>
@@ -3284,7 +3284,7 @@
           <a:p>
             <a:fld id="{7BC8567C-CC54-47B6-A913-A1B26A758FD0}" type="datetimeFigureOut">
               <a:rPr lang="en-GB" smtClean="0"/>
-              <a:t>29/03/2018</a:t>
+              <a:t>30/03/2018</a:t>
             </a:fld>
             <a:endParaRPr lang="en-GB"/>
           </a:p>
@@ -4978,7 +4978,7 @@
         <p:spPr>
           <a:xfrm>
             <a:off x="842210" y="181957"/>
-            <a:ext cx="7170822" cy="5509200"/>
+            <a:ext cx="4219074" cy="5509200"/>
           </a:xfrm>
           <a:prstGeom prst="rect">
             <a:avLst/>
@@ -5068,6 +5068,185 @@
             <a:r>
               <a:rPr lang="en-GB" sz="2400" dirty="0"/>
               <a:t>Add new country</a:t>
+            </a:r>
+          </a:p>
+          <a:p>
+            <a:pPr marL="457200" indent="-457200">
+              <a:buFont typeface="Courier New" panose="02070309020205020404" pitchFamily="49" charset="0"/>
+              <a:buChar char="o"/>
+            </a:pPr>
+            <a:r>
+              <a:rPr lang="en-GB" sz="3200" dirty="0"/>
+              <a:t>Help</a:t>
+            </a:r>
+          </a:p>
+          <a:p>
+            <a:pPr marL="1371600" lvl="2" indent="-457200">
+              <a:buFont typeface="Wingdings" panose="05000000000000000000" pitchFamily="2" charset="2"/>
+              <a:buChar char="Ø"/>
+            </a:pPr>
+            <a:r>
+              <a:rPr lang="en-GB" sz="2400" dirty="0"/>
+              <a:t>Online manual</a:t>
+            </a:r>
+          </a:p>
+          <a:p>
+            <a:pPr marL="1371600" lvl="2" indent="-457200">
+              <a:buFont typeface="Wingdings" panose="05000000000000000000" pitchFamily="2" charset="2"/>
+              <a:buChar char="Ø"/>
+            </a:pPr>
+            <a:r>
+              <a:rPr lang="en-GB" sz="2400" dirty="0"/>
+              <a:t>Local manual</a:t>
+            </a:r>
+          </a:p>
+          <a:p>
+            <a:pPr marL="457200" indent="-457200">
+              <a:buFont typeface="Courier New" panose="02070309020205020404" pitchFamily="49" charset="0"/>
+              <a:buChar char="o"/>
+            </a:pPr>
+            <a:r>
+              <a:rPr lang="en-GB" sz="3200" dirty="0"/>
+              <a:t>Quit</a:t>
+            </a:r>
+          </a:p>
+          <a:p>
+            <a:pPr marL="1371600" lvl="2" indent="-457200">
+              <a:buFont typeface="Wingdings" panose="05000000000000000000" pitchFamily="2" charset="2"/>
+              <a:buChar char="Ø"/>
+            </a:pPr>
+            <a:r>
+              <a:rPr lang="en-GB" sz="2400" dirty="0"/>
+              <a:t>Close Application</a:t>
+            </a:r>
+          </a:p>
+        </p:txBody>
+      </p:sp>
+      <p:sp>
+        <p:nvSpPr>
+          <p:cNvPr id="3" name="TextBox 2">
+            <a:extLst>
+              <a:ext uri="{FF2B5EF4-FFF2-40B4-BE49-F238E27FC236}">
+                <a16:creationId xmlns:a16="http://schemas.microsoft.com/office/drawing/2014/main" id="{0C2182BD-3983-4E24-8291-9BD9F56B9D24}"/>
+              </a:ext>
+            </a:extLst>
+          </p:cNvPr>
+          <p:cNvSpPr txBox="1"/>
+          <p:nvPr/>
+        </p:nvSpPr>
+        <p:spPr>
+          <a:xfrm>
+            <a:off x="6096000" y="181957"/>
+            <a:ext cx="5253790" cy="6370975"/>
+          </a:xfrm>
+          <a:prstGeom prst="rect">
+            <a:avLst/>
+          </a:prstGeom>
+          <a:noFill/>
+        </p:spPr>
+        <p:txBody>
+          <a:bodyPr wrap="square" rtlCol="0">
+            <a:spAutoFit/>
+          </a:bodyPr>
+          <a:lstStyle/>
+          <a:p>
+            <a:pPr marL="457200" indent="-457200">
+              <a:buFont typeface="Courier New" panose="02070309020205020404" pitchFamily="49" charset="0"/>
+              <a:buChar char="o"/>
+            </a:pPr>
+            <a:r>
+              <a:rPr lang="en-GB" sz="3200" dirty="0"/>
+              <a:t>File</a:t>
+            </a:r>
+          </a:p>
+          <a:p>
+            <a:pPr marL="1371600" lvl="2" indent="-457200">
+              <a:buFont typeface="Wingdings" panose="05000000000000000000" pitchFamily="2" charset="2"/>
+              <a:buChar char="Ø"/>
+            </a:pPr>
+            <a:r>
+              <a:rPr lang="en-GB" sz="2400" dirty="0"/>
+              <a:t>New Simulation</a:t>
+            </a:r>
+          </a:p>
+          <a:p>
+            <a:pPr marL="1371600" lvl="2" indent="-457200">
+              <a:buFont typeface="Wingdings" panose="05000000000000000000" pitchFamily="2" charset="2"/>
+              <a:buChar char="Ø"/>
+            </a:pPr>
+            <a:r>
+              <a:rPr lang="en-GB" sz="2400" dirty="0"/>
+              <a:t>Open Simulation</a:t>
+            </a:r>
+          </a:p>
+          <a:p>
+            <a:pPr marL="1371600" lvl="2" indent="-457200">
+              <a:buFont typeface="Wingdings" panose="05000000000000000000" pitchFamily="2" charset="2"/>
+              <a:buChar char="Ø"/>
+            </a:pPr>
+            <a:r>
+              <a:rPr lang="en-GB" sz="2400" dirty="0"/>
+              <a:t>Save</a:t>
+            </a:r>
+          </a:p>
+          <a:p>
+            <a:pPr marL="1371600" lvl="2" indent="-457200">
+              <a:buFont typeface="Wingdings" panose="05000000000000000000" pitchFamily="2" charset="2"/>
+              <a:buChar char="Ø"/>
+            </a:pPr>
+            <a:r>
+              <a:rPr lang="en-GB" sz="2400" dirty="0"/>
+              <a:t>Save As</a:t>
+            </a:r>
+          </a:p>
+          <a:p>
+            <a:pPr marL="457200" indent="-457200">
+              <a:buFont typeface="Courier New" panose="02070309020205020404" pitchFamily="49" charset="0"/>
+              <a:buChar char="o"/>
+            </a:pPr>
+            <a:r>
+              <a:rPr lang="en-GB" sz="3200" dirty="0"/>
+              <a:t>Edit</a:t>
+            </a:r>
+          </a:p>
+          <a:p>
+            <a:pPr marL="1371600" lvl="2" indent="-457200">
+              <a:buFont typeface="Wingdings" panose="05000000000000000000" pitchFamily="2" charset="2"/>
+              <a:buChar char="Ø"/>
+            </a:pPr>
+            <a:r>
+              <a:rPr lang="en-GB" sz="2400" dirty="0"/>
+              <a:t>Edit Simulation</a:t>
+            </a:r>
+          </a:p>
+          <a:p>
+            <a:pPr marL="457200" indent="-457200">
+              <a:buFont typeface="Courier New" panose="02070309020205020404" pitchFamily="49" charset="0"/>
+              <a:buChar char="o"/>
+            </a:pPr>
+            <a:r>
+              <a:rPr lang="en-GB" sz="3200" dirty="0"/>
+              <a:t>View</a:t>
+            </a:r>
+          </a:p>
+          <a:p>
+            <a:pPr marL="457200" indent="-457200">
+              <a:buFont typeface="Courier New" panose="02070309020205020404" pitchFamily="49" charset="0"/>
+              <a:buChar char="o"/>
+            </a:pPr>
+            <a:r>
+              <a:rPr lang="en-GB" sz="3200" dirty="0"/>
+              <a:t>Preferences</a:t>
+            </a:r>
+          </a:p>
+          <a:p>
+            <a:pPr marL="1371600" lvl="2" indent="-457200">
+              <a:buFont typeface="Wingdings" panose="05000000000000000000" pitchFamily="2" charset="2"/>
+              <a:buChar char="Ø"/>
+            </a:pPr>
+            <a:r>
+              <a:rPr lang="en-GB" sz="2400" dirty="0"/>
+              <a:t>Appearance preferences</a:t>
             </a:r>
           </a:p>
           <a:p>

--- a/Documentation/diagrams.pptx
+++ b/Documentation/diagrams.pptx
@@ -198,7 +198,7 @@
           <a:p>
             <a:fld id="{89BE2BE4-27D5-4BCE-BD88-1958690082D4}" type="datetimeFigureOut">
               <a:rPr lang="en-GB" smtClean="0"/>
-              <a:t>30/03/2018</a:t>
+              <a:t>10/04/2018</a:t>
             </a:fld>
             <a:endParaRPr lang="en-GB"/>
           </a:p>
@@ -615,7 +615,7 @@
           <a:p>
             <a:fld id="{7BC8567C-CC54-47B6-A913-A1B26A758FD0}" type="datetimeFigureOut">
               <a:rPr lang="en-GB" smtClean="0"/>
-              <a:t>30/03/2018</a:t>
+              <a:t>10/04/2018</a:t>
             </a:fld>
             <a:endParaRPr lang="en-GB"/>
           </a:p>
@@ -815,7 +815,7 @@
           <a:p>
             <a:fld id="{7BC8567C-CC54-47B6-A913-A1B26A758FD0}" type="datetimeFigureOut">
               <a:rPr lang="en-GB" smtClean="0"/>
-              <a:t>30/03/2018</a:t>
+              <a:t>10/04/2018</a:t>
             </a:fld>
             <a:endParaRPr lang="en-GB"/>
           </a:p>
@@ -1025,7 +1025,7 @@
           <a:p>
             <a:fld id="{7BC8567C-CC54-47B6-A913-A1B26A758FD0}" type="datetimeFigureOut">
               <a:rPr lang="en-GB" smtClean="0"/>
-              <a:t>30/03/2018</a:t>
+              <a:t>10/04/2018</a:t>
             </a:fld>
             <a:endParaRPr lang="en-GB"/>
           </a:p>
@@ -1225,7 +1225,7 @@
           <a:p>
             <a:fld id="{7BC8567C-CC54-47B6-A913-A1B26A758FD0}" type="datetimeFigureOut">
               <a:rPr lang="en-GB" smtClean="0"/>
-              <a:t>30/03/2018</a:t>
+              <a:t>10/04/2018</a:t>
             </a:fld>
             <a:endParaRPr lang="en-GB"/>
           </a:p>
@@ -1501,7 +1501,7 @@
           <a:p>
             <a:fld id="{7BC8567C-CC54-47B6-A913-A1B26A758FD0}" type="datetimeFigureOut">
               <a:rPr lang="en-GB" smtClean="0"/>
-              <a:t>30/03/2018</a:t>
+              <a:t>10/04/2018</a:t>
             </a:fld>
             <a:endParaRPr lang="en-GB"/>
           </a:p>
@@ -1769,7 +1769,7 @@
           <a:p>
             <a:fld id="{7BC8567C-CC54-47B6-A913-A1B26A758FD0}" type="datetimeFigureOut">
               <a:rPr lang="en-GB" smtClean="0"/>
-              <a:t>30/03/2018</a:t>
+              <a:t>10/04/2018</a:t>
             </a:fld>
             <a:endParaRPr lang="en-GB"/>
           </a:p>
@@ -2184,7 +2184,7 @@
           <a:p>
             <a:fld id="{7BC8567C-CC54-47B6-A913-A1B26A758FD0}" type="datetimeFigureOut">
               <a:rPr lang="en-GB" smtClean="0"/>
-              <a:t>30/03/2018</a:t>
+              <a:t>10/04/2018</a:t>
             </a:fld>
             <a:endParaRPr lang="en-GB"/>
           </a:p>
@@ -2326,7 +2326,7 @@
           <a:p>
             <a:fld id="{7BC8567C-CC54-47B6-A913-A1B26A758FD0}" type="datetimeFigureOut">
               <a:rPr lang="en-GB" smtClean="0"/>
-              <a:t>30/03/2018</a:t>
+              <a:t>10/04/2018</a:t>
             </a:fld>
             <a:endParaRPr lang="en-GB"/>
           </a:p>
@@ -2439,7 +2439,7 @@
           <a:p>
             <a:fld id="{7BC8567C-CC54-47B6-A913-A1B26A758FD0}" type="datetimeFigureOut">
               <a:rPr lang="en-GB" smtClean="0"/>
-              <a:t>30/03/2018</a:t>
+              <a:t>10/04/2018</a:t>
             </a:fld>
             <a:endParaRPr lang="en-GB"/>
           </a:p>
@@ -2752,7 +2752,7 @@
           <a:p>
             <a:fld id="{7BC8567C-CC54-47B6-A913-A1B26A758FD0}" type="datetimeFigureOut">
               <a:rPr lang="en-GB" smtClean="0"/>
-              <a:t>30/03/2018</a:t>
+              <a:t>10/04/2018</a:t>
             </a:fld>
             <a:endParaRPr lang="en-GB"/>
           </a:p>
@@ -3041,7 +3041,7 @@
           <a:p>
             <a:fld id="{7BC8567C-CC54-47B6-A913-A1B26A758FD0}" type="datetimeFigureOut">
               <a:rPr lang="en-GB" smtClean="0"/>
-              <a:t>30/03/2018</a:t>
+              <a:t>10/04/2018</a:t>
             </a:fld>
             <a:endParaRPr lang="en-GB"/>
           </a:p>
@@ -3284,7 +3284,7 @@
           <a:p>
             <a:fld id="{7BC8567C-CC54-47B6-A913-A1B26A758FD0}" type="datetimeFigureOut">
               <a:rPr lang="en-GB" smtClean="0"/>
-              <a:t>30/03/2018</a:t>
+              <a:t>10/04/2018</a:t>
             </a:fld>
             <a:endParaRPr lang="en-GB"/>
           </a:p>
@@ -5136,8 +5136,8 @@
         </p:nvSpPr>
         <p:spPr>
           <a:xfrm>
-            <a:off x="6096000" y="181957"/>
-            <a:ext cx="5253790" cy="6370975"/>
+            <a:off x="6096000" y="289679"/>
+            <a:ext cx="5253790" cy="6278642"/>
           </a:xfrm>
           <a:prstGeom prst="rect">
             <a:avLst/>
@@ -5155,7 +5155,7 @@
               <a:buChar char="o"/>
             </a:pPr>
             <a:r>
-              <a:rPr lang="en-GB" sz="3200" dirty="0"/>
+              <a:rPr lang="en-GB" sz="2000" dirty="0"/>
               <a:t>File</a:t>
             </a:r>
           </a:p>
@@ -5165,7 +5165,7 @@
               <a:buChar char="Ø"/>
             </a:pPr>
             <a:r>
-              <a:rPr lang="en-GB" sz="2400" dirty="0"/>
+              <a:rPr lang="en-GB" sz="1600" dirty="0"/>
               <a:t>New Simulation</a:t>
             </a:r>
           </a:p>
@@ -5175,7 +5175,7 @@
               <a:buChar char="Ø"/>
             </a:pPr>
             <a:r>
-              <a:rPr lang="en-GB" sz="2400" dirty="0"/>
+              <a:rPr lang="en-GB" sz="1600" dirty="0"/>
               <a:t>Open Simulation</a:t>
             </a:r>
           </a:p>
@@ -5185,7 +5185,7 @@
               <a:buChar char="Ø"/>
             </a:pPr>
             <a:r>
-              <a:rPr lang="en-GB" sz="2400" dirty="0"/>
+              <a:rPr lang="en-GB" sz="1600" dirty="0"/>
               <a:t>Save</a:t>
             </a:r>
           </a:p>
@@ -5195,7 +5195,7 @@
               <a:buChar char="Ø"/>
             </a:pPr>
             <a:r>
-              <a:rPr lang="en-GB" sz="2400" dirty="0"/>
+              <a:rPr lang="en-GB" sz="1600" dirty="0"/>
               <a:t>Save As</a:t>
             </a:r>
           </a:p>
@@ -5205,7 +5205,7 @@
               <a:buChar char="o"/>
             </a:pPr>
             <a:r>
-              <a:rPr lang="en-GB" sz="3200" dirty="0"/>
+              <a:rPr lang="en-GB" sz="2000" dirty="0"/>
               <a:t>Edit</a:t>
             </a:r>
           </a:p>
@@ -5215,8 +5215,18 @@
               <a:buChar char="Ø"/>
             </a:pPr>
             <a:r>
-              <a:rPr lang="en-GB" sz="2400" dirty="0"/>
+              <a:rPr lang="en-GB" sz="1600" dirty="0"/>
               <a:t>Edit Simulation</a:t>
+            </a:r>
+          </a:p>
+          <a:p>
+            <a:pPr marL="1371600" lvl="2" indent="-457200">
+              <a:buFont typeface="Wingdings" panose="05000000000000000000" pitchFamily="2" charset="2"/>
+              <a:buChar char="Ø"/>
+            </a:pPr>
+            <a:r>
+              <a:rPr lang="en-GB" sz="1600" dirty="0"/>
+              <a:t>Change Scenario</a:t>
             </a:r>
           </a:p>
           <a:p>
@@ -5225,8 +5235,38 @@
               <a:buChar char="o"/>
             </a:pPr>
             <a:r>
-              <a:rPr lang="en-GB" sz="3200" dirty="0"/>
+              <a:rPr lang="en-GB" sz="2000" dirty="0"/>
               <a:t>View</a:t>
+            </a:r>
+          </a:p>
+          <a:p>
+            <a:pPr marL="1371600" lvl="2" indent="-457200">
+              <a:buFont typeface="Wingdings" panose="05000000000000000000" pitchFamily="2" charset="2"/>
+              <a:buChar char="Ø"/>
+            </a:pPr>
+            <a:r>
+              <a:rPr lang="en-GB" sz="1600" dirty="0"/>
+              <a:t>Scenario details</a:t>
+            </a:r>
+          </a:p>
+          <a:p>
+            <a:pPr marL="1371600" lvl="2" indent="-457200">
+              <a:buFont typeface="Wingdings" panose="05000000000000000000" pitchFamily="2" charset="2"/>
+              <a:buChar char="Ø"/>
+            </a:pPr>
+            <a:r>
+              <a:rPr lang="en-GB" sz="1600" dirty="0"/>
+              <a:t>Simulation details</a:t>
+            </a:r>
+          </a:p>
+          <a:p>
+            <a:pPr marL="1371600" lvl="2" indent="-457200">
+              <a:buFont typeface="Wingdings" panose="05000000000000000000" pitchFamily="2" charset="2"/>
+              <a:buChar char="Ø"/>
+            </a:pPr>
+            <a:r>
+              <a:rPr lang="en-GB" sz="1600" dirty="0"/>
+              <a:t>View all countries</a:t>
             </a:r>
           </a:p>
           <a:p>
@@ -5235,8 +5275,8 @@
               <a:buChar char="o"/>
             </a:pPr>
             <a:r>
-              <a:rPr lang="en-GB" sz="3200" dirty="0"/>
-              <a:t>Preferences</a:t>
+              <a:rPr lang="en-GB" sz="2000" dirty="0"/>
+              <a:t>Simulation</a:t>
             </a:r>
           </a:p>
           <a:p>
@@ -5245,9 +5285,30 @@
               <a:buChar char="Ø"/>
             </a:pPr>
             <a:r>
-              <a:rPr lang="en-GB" sz="2400" dirty="0"/>
-              <a:t>Appearance preferences</a:t>
-            </a:r>
+              <a:rPr lang="en-GB" sz="1600" dirty="0"/>
+              <a:t>Run</a:t>
+            </a:r>
+          </a:p>
+          <a:p>
+            <a:pPr marL="1371600" lvl="2" indent="-457200">
+              <a:buFont typeface="Wingdings" panose="05000000000000000000" pitchFamily="2" charset="2"/>
+              <a:buChar char="Ø"/>
+            </a:pPr>
+            <a:r>
+              <a:rPr lang="en-GB" sz="1600" dirty="0"/>
+              <a:t>Pause</a:t>
+            </a:r>
+          </a:p>
+          <a:p>
+            <a:pPr marL="1371600" lvl="2" indent="-457200">
+              <a:buFont typeface="Wingdings" panose="05000000000000000000" pitchFamily="2" charset="2"/>
+              <a:buChar char="Ø"/>
+            </a:pPr>
+            <a:r>
+              <a:rPr lang="en-GB" sz="1600" dirty="0"/>
+              <a:t>Reset</a:t>
+            </a:r>
+            <a:endParaRPr lang="en-GB" sz="2000" dirty="0"/>
           </a:p>
           <a:p>
             <a:pPr marL="457200" indent="-457200">
@@ -5255,8 +5316,8 @@
               <a:buChar char="o"/>
             </a:pPr>
             <a:r>
-              <a:rPr lang="en-GB" sz="3200" dirty="0"/>
-              <a:t>Help</a:t>
+              <a:rPr lang="en-GB" sz="2000" dirty="0"/>
+              <a:t>Preferences</a:t>
             </a:r>
           </a:p>
           <a:p>
@@ -5265,8 +5326,18 @@
               <a:buChar char="Ø"/>
             </a:pPr>
             <a:r>
-              <a:rPr lang="en-GB" sz="2400" dirty="0"/>
-              <a:t>Online manual</a:t>
+              <a:rPr lang="en-GB" sz="1600" dirty="0"/>
+              <a:t>Appearance preferences</a:t>
+            </a:r>
+          </a:p>
+          <a:p>
+            <a:pPr marL="457200" indent="-457200">
+              <a:buFont typeface="Courier New" panose="02070309020205020404" pitchFamily="49" charset="0"/>
+              <a:buChar char="o"/>
+            </a:pPr>
+            <a:r>
+              <a:rPr lang="en-GB" sz="2000" dirty="0"/>
+              <a:t>Help</a:t>
             </a:r>
           </a:p>
           <a:p>
@@ -5275,7 +5346,17 @@
               <a:buChar char="Ø"/>
             </a:pPr>
             <a:r>
-              <a:rPr lang="en-GB" sz="2400" dirty="0"/>
+              <a:rPr lang="en-GB" sz="1600" dirty="0"/>
+              <a:t>Online manual</a:t>
+            </a:r>
+          </a:p>
+          <a:p>
+            <a:pPr marL="1371600" lvl="2" indent="-457200">
+              <a:buFont typeface="Wingdings" panose="05000000000000000000" pitchFamily="2" charset="2"/>
+              <a:buChar char="Ø"/>
+            </a:pPr>
+            <a:r>
+              <a:rPr lang="en-GB" sz="1600" dirty="0"/>
               <a:t>Local manual</a:t>
             </a:r>
           </a:p>
@@ -5285,7 +5366,7 @@
               <a:buChar char="o"/>
             </a:pPr>
             <a:r>
-              <a:rPr lang="en-GB" sz="3200" dirty="0"/>
+              <a:rPr lang="en-GB" sz="2000" dirty="0"/>
               <a:t>Quit</a:t>
             </a:r>
           </a:p>
@@ -5295,9 +5376,10 @@
               <a:buChar char="Ø"/>
             </a:pPr>
             <a:r>
-              <a:rPr lang="en-GB" sz="2400" dirty="0"/>
+              <a:rPr lang="en-GB" sz="1600" dirty="0"/>
               <a:t>Close Application</a:t>
             </a:r>
+            <a:endParaRPr lang="en-GB" dirty="0"/>
           </a:p>
         </p:txBody>
       </p:sp>
